--- a/Figures/gselect.pptx
+++ b/Figures/gselect.pptx
@@ -3263,6 +3263,7 @@
               <a:rPr lang="en-US" dirty="0" smtClean="0"/>
               <a:t>……</a:t>
             </a:r>
+            <a:endParaRPr lang="en-US" dirty="0" smtClean="0"/>
           </a:p>
         </p:txBody>
       </p:sp>
@@ -3798,6 +3799,66 @@
               <a:t>PC = 0x03</a:t>
             </a:r>
             <a:endParaRPr lang="en-US" dirty="0"/>
+          </a:p>
+        </p:txBody>
+      </p:sp>
+      <p:sp>
+        <p:nvSpPr>
+          <p:cNvPr id="22" name="TextBox 21"/>
+          <p:cNvSpPr txBox="1"/>
+          <p:nvPr/>
+        </p:nvSpPr>
+        <p:spPr>
+          <a:xfrm>
+            <a:off x="4216400" y="2438400"/>
+            <a:ext cx="461665" cy="457200"/>
+          </a:xfrm>
+          <a:prstGeom prst="rect">
+            <a:avLst/>
+          </a:prstGeom>
+          <a:noFill/>
+        </p:spPr>
+        <p:txBody>
+          <a:bodyPr vert="eaVert" wrap="square" rtlCol="0">
+            <a:spAutoFit/>
+          </a:bodyPr>
+          <a:lstStyle/>
+          <a:p>
+            <a:r>
+              <a:rPr lang="en-US" dirty="0" smtClean="0"/>
+              <a:t>……</a:t>
+            </a:r>
+            <a:endParaRPr lang="en-US" dirty="0" smtClean="0"/>
+          </a:p>
+        </p:txBody>
+      </p:sp>
+      <p:sp>
+        <p:nvSpPr>
+          <p:cNvPr id="23" name="TextBox 22"/>
+          <p:cNvSpPr txBox="1"/>
+          <p:nvPr/>
+        </p:nvSpPr>
+        <p:spPr>
+          <a:xfrm>
+            <a:off x="4216399" y="4038600"/>
+            <a:ext cx="461665" cy="457200"/>
+          </a:xfrm>
+          <a:prstGeom prst="rect">
+            <a:avLst/>
+          </a:prstGeom>
+          <a:noFill/>
+        </p:spPr>
+        <p:txBody>
+          <a:bodyPr vert="eaVert" wrap="square" rtlCol="0">
+            <a:spAutoFit/>
+          </a:bodyPr>
+          <a:lstStyle/>
+          <a:p>
+            <a:r>
+              <a:rPr lang="en-US" dirty="0" smtClean="0"/>
+              <a:t>……</a:t>
+            </a:r>
+            <a:endParaRPr lang="en-US" dirty="0" smtClean="0"/>
           </a:p>
         </p:txBody>
       </p:sp>
